--- a/proxy-mr/proxy-fig.pptx
+++ b/proxy-mr/proxy-fig.pptx
@@ -6,6 +6,7 @@
   </p:sldMasterIdLst>
   <p:sldIdLst>
     <p:sldId id="256" r:id="rId2"/>
+    <p:sldId id="257" r:id="rId3"/>
   </p:sldIdLst>
   <p:sldSz cx="12192000" cy="6858000"/>
   <p:notesSz cx="6858000" cy="9144000"/>
@@ -3362,7 +3363,7 @@
           <p:nvPr/>
         </p:nvPicPr>
         <p:blipFill>
-          <a:blip r:embed="rId2"/>
+          <a:blip/>
           <a:stretch>
             <a:fillRect/>
           </a:stretch>
@@ -3462,7 +3463,7 @@
           <p:nvPr/>
         </p:nvPicPr>
         <p:blipFill>
-          <a:blip r:embed="rId3"/>
+          <a:blip r:embed="rId2"/>
           <a:stretch>
             <a:fillRect/>
           </a:stretch>
@@ -3481,6 +3482,165 @@
     <p:extLst>
       <p:ext uri="{BB962C8B-B14F-4D97-AF65-F5344CB8AC3E}">
         <p14:creationId xmlns:p14="http://schemas.microsoft.com/office/powerpoint/2010/main" val="782061856"/>
+      </p:ext>
+    </p:extLst>
+  </p:cSld>
+  <p:clrMapOvr>
+    <a:masterClrMapping/>
+  </p:clrMapOvr>
+</p:sld>
+</file>
+
+<file path=ppt/slides/slide2.xml><?xml version="1.0" encoding="utf-8"?>
+<p:sld xmlns:a="http://schemas.openxmlformats.org/drawingml/2006/main" xmlns:r="http://schemas.openxmlformats.org/officeDocument/2006/relationships" xmlns:p="http://schemas.openxmlformats.org/presentationml/2006/main">
+  <p:cSld>
+    <p:spTree>
+      <p:nvGrpSpPr>
+        <p:cNvPr id="1" name=""/>
+        <p:cNvGrpSpPr/>
+        <p:nvPr/>
+      </p:nvGrpSpPr>
+      <p:grpSpPr>
+        <a:xfrm>
+          <a:off x="0" y="0"/>
+          <a:ext cx="0" cy="0"/>
+          <a:chOff x="0" y="0"/>
+          <a:chExt cx="0" cy="0"/>
+        </a:xfrm>
+      </p:grpSpPr>
+      <p:pic>
+        <p:nvPicPr>
+          <p:cNvPr id="5" name="Content Placeholder 4">
+            <a:extLst>
+              <a:ext uri="{FF2B5EF4-FFF2-40B4-BE49-F238E27FC236}">
+                <a16:creationId xmlns:a16="http://schemas.microsoft.com/office/drawing/2014/main" id="{3442E8C6-521C-F90F-AD94-19DD44D6BACD}"/>
+              </a:ext>
+            </a:extLst>
+          </p:cNvPr>
+          <p:cNvPicPr>
+            <a:picLocks noGrp="1" noChangeAspect="1"/>
+          </p:cNvPicPr>
+          <p:nvPr>
+            <p:ph idx="1"/>
+          </p:nvPr>
+        </p:nvPicPr>
+        <p:blipFill>
+          <a:blip r:embed="rId2"/>
+          <a:stretch>
+            <a:fillRect/>
+          </a:stretch>
+        </p:blipFill>
+        <p:spPr>
+          <a:xfrm>
+            <a:off x="133522" y="195608"/>
+            <a:ext cx="6483488" cy="6483488"/>
+          </a:xfrm>
+        </p:spPr>
+      </p:pic>
+      <p:pic>
+        <p:nvPicPr>
+          <p:cNvPr id="11" name="Picture 10">
+            <a:extLst>
+              <a:ext uri="{FF2B5EF4-FFF2-40B4-BE49-F238E27FC236}">
+                <a16:creationId xmlns:a16="http://schemas.microsoft.com/office/drawing/2014/main" id="{E5294605-EEB5-983D-9E15-248C683A0D1D}"/>
+              </a:ext>
+            </a:extLst>
+          </p:cNvPr>
+          <p:cNvPicPr>
+            <a:picLocks noChangeAspect="1"/>
+          </p:cNvPicPr>
+          <p:nvPr/>
+        </p:nvPicPr>
+        <p:blipFill>
+          <a:blip r:embed="rId3"/>
+          <a:stretch>
+            <a:fillRect/>
+          </a:stretch>
+        </p:blipFill>
+        <p:spPr>
+          <a:xfrm>
+            <a:off x="6617009" y="79512"/>
+            <a:ext cx="5499653" cy="6599583"/>
+          </a:xfrm>
+          <a:prstGeom prst="rect">
+            <a:avLst/>
+          </a:prstGeom>
+        </p:spPr>
+      </p:pic>
+      <p:sp>
+        <p:nvSpPr>
+          <p:cNvPr id="12" name="TextBox 11">
+            <a:extLst>
+              <a:ext uri="{FF2B5EF4-FFF2-40B4-BE49-F238E27FC236}">
+                <a16:creationId xmlns:a16="http://schemas.microsoft.com/office/drawing/2014/main" id="{DBAE7ACF-C1A9-7053-7A4E-E619516CFB98}"/>
+              </a:ext>
+            </a:extLst>
+          </p:cNvPr>
+          <p:cNvSpPr txBox="1"/>
+          <p:nvPr/>
+        </p:nvSpPr>
+        <p:spPr>
+          <a:xfrm>
+            <a:off x="75338" y="10942"/>
+            <a:ext cx="327334" cy="369332"/>
+          </a:xfrm>
+          <a:prstGeom prst="rect">
+            <a:avLst/>
+          </a:prstGeom>
+          <a:noFill/>
+        </p:spPr>
+        <p:txBody>
+          <a:bodyPr wrap="none" rtlCol="0">
+            <a:spAutoFit/>
+          </a:bodyPr>
+          <a:lstStyle/>
+          <a:p>
+            <a:r>
+              <a:rPr lang="en-US" b="1" dirty="0"/>
+              <a:t>A</a:t>
+            </a:r>
+          </a:p>
+        </p:txBody>
+      </p:sp>
+      <p:sp>
+        <p:nvSpPr>
+          <p:cNvPr id="13" name="TextBox 12">
+            <a:extLst>
+              <a:ext uri="{FF2B5EF4-FFF2-40B4-BE49-F238E27FC236}">
+                <a16:creationId xmlns:a16="http://schemas.microsoft.com/office/drawing/2014/main" id="{9FBE2788-90DA-2333-092C-3C43A5986DDB}"/>
+              </a:ext>
+            </a:extLst>
+          </p:cNvPr>
+          <p:cNvSpPr txBox="1"/>
+          <p:nvPr/>
+        </p:nvSpPr>
+        <p:spPr>
+          <a:xfrm>
+            <a:off x="6617008" y="36580"/>
+            <a:ext cx="327334" cy="369332"/>
+          </a:xfrm>
+          <a:prstGeom prst="rect">
+            <a:avLst/>
+          </a:prstGeom>
+          <a:noFill/>
+        </p:spPr>
+        <p:txBody>
+          <a:bodyPr wrap="none" rtlCol="0">
+            <a:spAutoFit/>
+          </a:bodyPr>
+          <a:lstStyle/>
+          <a:p>
+            <a:r>
+              <a:rPr lang="en-US" b="1" dirty="0"/>
+              <a:t>B</a:t>
+            </a:r>
+          </a:p>
+        </p:txBody>
+      </p:sp>
+    </p:spTree>
+    <p:extLst>
+      <p:ext uri="{BB962C8B-B14F-4D97-AF65-F5344CB8AC3E}">
+        <p14:creationId xmlns:p14="http://schemas.microsoft.com/office/powerpoint/2010/main" val="393435130"/>
       </p:ext>
     </p:extLst>
   </p:cSld>

--- a/proxy-mr/proxy-fig.pptx
+++ b/proxy-mr/proxy-fig.pptx
@@ -3363,7 +3363,7 @@
           <p:nvPr/>
         </p:nvPicPr>
         <p:blipFill>
-          <a:blip/>
+          <a:blip r:embed="rId2"/>
           <a:stretch>
             <a:fillRect/>
           </a:stretch>
@@ -3463,7 +3463,7 @@
           <p:nvPr/>
         </p:nvPicPr>
         <p:blipFill>
-          <a:blip r:embed="rId2"/>
+          <a:blip r:embed="rId3"/>
           <a:stretch>
             <a:fillRect/>
           </a:stretch>
@@ -3510,10 +3510,10 @@
       </p:grpSpPr>
       <p:pic>
         <p:nvPicPr>
-          <p:cNvPr id="5" name="Content Placeholder 4">
-            <a:extLst>
-              <a:ext uri="{FF2B5EF4-FFF2-40B4-BE49-F238E27FC236}">
-                <a16:creationId xmlns:a16="http://schemas.microsoft.com/office/drawing/2014/main" id="{3442E8C6-521C-F90F-AD94-19DD44D6BACD}"/>
+          <p:cNvPr id="17" name="Content Placeholder 16">
+            <a:extLst>
+              <a:ext uri="{FF2B5EF4-FFF2-40B4-BE49-F238E27FC236}">
+                <a16:creationId xmlns:a16="http://schemas.microsoft.com/office/drawing/2014/main" id="{56B3314B-6996-FA24-36E5-C07BC52A1AA3}"/>
               </a:ext>
             </a:extLst>
           </p:cNvPr>
@@ -3532,8 +3532,8 @@
         </p:blipFill>
         <p:spPr>
           <a:xfrm>
-            <a:off x="133522" y="195608"/>
-            <a:ext cx="6483488" cy="6483488"/>
+            <a:off x="-24052" y="79512"/>
+            <a:ext cx="6741908" cy="6741908"/>
           </a:xfrm>
         </p:spPr>
       </p:pic>
@@ -3559,7 +3559,7 @@
         </p:blipFill>
         <p:spPr>
           <a:xfrm>
-            <a:off x="6617009" y="79512"/>
+            <a:off x="6666704" y="79512"/>
             <a:ext cx="5499653" cy="6599583"/>
           </a:xfrm>
           <a:prstGeom prst="rect">
@@ -3616,7 +3616,7 @@
         </p:nvSpPr>
         <p:spPr>
           <a:xfrm>
-            <a:off x="6617008" y="36580"/>
+            <a:off x="7193477" y="36580"/>
             <a:ext cx="327334" cy="369332"/>
           </a:xfrm>
           <a:prstGeom prst="rect">
